--- a/6.Crypto/1.Full Course/3.SymmetricCiphers/Cryptology3-Symmetric-Encryption.pptx
+++ b/6.Crypto/1.Full Course/3.SymmetricCiphers/Cryptology3-Symmetric-Encryption.pptx
@@ -216,7 +216,7 @@
           <a:p>
             <a:fld id="{C4B58AF0-7A07-4D33-944C-AC867B70A9B3}" type="datetimeFigureOut">
               <a:rPr lang="en-US" smtClean="0"/>
-              <a:t>2/6/2023</a:t>
+              <a:t>2/9/2024</a:t>
             </a:fld>
             <a:endParaRPr lang="en-US"/>
           </a:p>
@@ -3983,7 +3983,7 @@
           <a:p>
             <a:fld id="{F18D9C4A-D73C-4CB7-B695-CD44CD489250}" type="datetimeFigureOut">
               <a:rPr lang="en-US" smtClean="0"/>
-              <a:t>2/6/2023</a:t>
+              <a:t>2/9/2024</a:t>
             </a:fld>
             <a:endParaRPr lang="en-US"/>
           </a:p>
@@ -4181,7 +4181,7 @@
           <a:p>
             <a:fld id="{F18D9C4A-D73C-4CB7-B695-CD44CD489250}" type="datetimeFigureOut">
               <a:rPr lang="en-US" smtClean="0"/>
-              <a:t>2/6/2023</a:t>
+              <a:t>2/9/2024</a:t>
             </a:fld>
             <a:endParaRPr lang="en-US"/>
           </a:p>
@@ -4389,7 +4389,7 @@
           <a:p>
             <a:fld id="{F18D9C4A-D73C-4CB7-B695-CD44CD489250}" type="datetimeFigureOut">
               <a:rPr lang="en-US" smtClean="0"/>
-              <a:t>2/6/2023</a:t>
+              <a:t>2/9/2024</a:t>
             </a:fld>
             <a:endParaRPr lang="en-US"/>
           </a:p>
@@ -4587,7 +4587,7 @@
           <a:p>
             <a:fld id="{F18D9C4A-D73C-4CB7-B695-CD44CD489250}" type="datetimeFigureOut">
               <a:rPr lang="en-US" smtClean="0"/>
-              <a:t>2/6/2023</a:t>
+              <a:t>2/9/2024</a:t>
             </a:fld>
             <a:endParaRPr lang="en-US"/>
           </a:p>
@@ -4862,7 +4862,7 @@
           <a:p>
             <a:fld id="{F18D9C4A-D73C-4CB7-B695-CD44CD489250}" type="datetimeFigureOut">
               <a:rPr lang="en-US" smtClean="0"/>
-              <a:t>2/6/2023</a:t>
+              <a:t>2/9/2024</a:t>
             </a:fld>
             <a:endParaRPr lang="en-US"/>
           </a:p>
@@ -5127,7 +5127,7 @@
           <a:p>
             <a:fld id="{F18D9C4A-D73C-4CB7-B695-CD44CD489250}" type="datetimeFigureOut">
               <a:rPr lang="en-US" smtClean="0"/>
-              <a:t>2/6/2023</a:t>
+              <a:t>2/9/2024</a:t>
             </a:fld>
             <a:endParaRPr lang="en-US"/>
           </a:p>
@@ -5539,7 +5539,7 @@
           <a:p>
             <a:fld id="{F18D9C4A-D73C-4CB7-B695-CD44CD489250}" type="datetimeFigureOut">
               <a:rPr lang="en-US" smtClean="0"/>
-              <a:t>2/6/2023</a:t>
+              <a:t>2/9/2024</a:t>
             </a:fld>
             <a:endParaRPr lang="en-US"/>
           </a:p>
@@ -5680,7 +5680,7 @@
           <a:p>
             <a:fld id="{F18D9C4A-D73C-4CB7-B695-CD44CD489250}" type="datetimeFigureOut">
               <a:rPr lang="en-US" smtClean="0"/>
-              <a:t>2/6/2023</a:t>
+              <a:t>2/9/2024</a:t>
             </a:fld>
             <a:endParaRPr lang="en-US"/>
           </a:p>
@@ -5793,7 +5793,7 @@
           <a:p>
             <a:fld id="{F18D9C4A-D73C-4CB7-B695-CD44CD489250}" type="datetimeFigureOut">
               <a:rPr lang="en-US" smtClean="0"/>
-              <a:t>2/6/2023</a:t>
+              <a:t>2/9/2024</a:t>
             </a:fld>
             <a:endParaRPr lang="en-US"/>
           </a:p>
@@ -6104,7 +6104,7 @@
           <a:p>
             <a:fld id="{F18D9C4A-D73C-4CB7-B695-CD44CD489250}" type="datetimeFigureOut">
               <a:rPr lang="en-US" smtClean="0"/>
-              <a:t>2/6/2023</a:t>
+              <a:t>2/9/2024</a:t>
             </a:fld>
             <a:endParaRPr lang="en-US"/>
           </a:p>
@@ -6392,7 +6392,7 @@
           <a:p>
             <a:fld id="{F18D9C4A-D73C-4CB7-B695-CD44CD489250}" type="datetimeFigureOut">
               <a:rPr lang="en-US" smtClean="0"/>
-              <a:t>2/6/2023</a:t>
+              <a:t>2/9/2024</a:t>
             </a:fld>
             <a:endParaRPr lang="en-US"/>
           </a:p>
@@ -6633,7 +6633,7 @@
           <a:p>
             <a:fld id="{F18D9C4A-D73C-4CB7-B695-CD44CD489250}" type="datetimeFigureOut">
               <a:rPr lang="en-US" smtClean="0"/>
-              <a:t>2/6/2023</a:t>
+              <a:t>2/9/2024</a:t>
             </a:fld>
             <a:endParaRPr lang="en-US"/>
           </a:p>
@@ -8433,7 +8433,7 @@
             <a:pPr lvl="1"/>
             <a:r>
               <a:rPr lang="en-US" dirty="0"/>
-              <a:t>Redefines addition, multiplication, and inverse</a:t>
+              <a:t>Redefines elements, addition, multiplication, and inverse</a:t>
             </a:r>
           </a:p>
           <a:p>
